--- a/Documents/โรงเพาะเห็ดอัจฉริยะ_hardware.pptx
+++ b/Documents/โรงเพาะเห็ดอัจฉริยะ_hardware.pptx
@@ -129,6 +129,11 @@
       </a:defRPr>
     </a:lvl9pPr>
   </p:defaultTextStyle>
+  <p:extLst>
+    <p:ext uri="{EFAFB233-063F-42B5-8137-9DF3F51BA10A}">
+      <p15:sldGuideLst xmlns:p15="http://schemas.microsoft.com/office/powerpoint/2012/main"/>
+    </p:ext>
+  </p:extLst>
 </p:presentation>
 </file>
 
@@ -854,7 +859,7 @@
           <a:p>
             <a:fld id="{E2303744-B482-46C2-83C9-81CA9822BC39}" type="datetimeFigureOut">
               <a:rPr lang="en-US" smtClean="0"/>
-              <a:t>10/1/2020</a:t>
+              <a:t>11/27/2020</a:t>
             </a:fld>
             <a:endParaRPr lang="en-US"/>
           </a:p>
@@ -1105,7 +1110,7 @@
           <a:p>
             <a:fld id="{E2303744-B482-46C2-83C9-81CA9822BC39}" type="datetimeFigureOut">
               <a:rPr lang="en-US" smtClean="0"/>
-              <a:t>10/1/2020</a:t>
+              <a:t>11/27/2020</a:t>
             </a:fld>
             <a:endParaRPr lang="en-US"/>
           </a:p>
@@ -1419,7 +1424,7 @@
           <a:p>
             <a:fld id="{E2303744-B482-46C2-83C9-81CA9822BC39}" type="datetimeFigureOut">
               <a:rPr lang="en-US" smtClean="0"/>
-              <a:t>10/1/2020</a:t>
+              <a:t>11/27/2020</a:t>
             </a:fld>
             <a:endParaRPr lang="en-US"/>
           </a:p>
@@ -1760,7 +1765,7 @@
           <a:p>
             <a:fld id="{E2303744-B482-46C2-83C9-81CA9822BC39}" type="datetimeFigureOut">
               <a:rPr lang="en-US" smtClean="0"/>
-              <a:t>10/1/2020</a:t>
+              <a:t>11/27/2020</a:t>
             </a:fld>
             <a:endParaRPr lang="en-US"/>
           </a:p>
@@ -2074,7 +2079,7 @@
           <a:p>
             <a:fld id="{E2303744-B482-46C2-83C9-81CA9822BC39}" type="datetimeFigureOut">
               <a:rPr lang="en-US" smtClean="0"/>
-              <a:t>10/1/2020</a:t>
+              <a:t>11/27/2020</a:t>
             </a:fld>
             <a:endParaRPr lang="en-US"/>
           </a:p>
@@ -2467,7 +2472,7 @@
           <a:p>
             <a:fld id="{E2303744-B482-46C2-83C9-81CA9822BC39}" type="datetimeFigureOut">
               <a:rPr lang="en-US" smtClean="0"/>
-              <a:t>10/1/2020</a:t>
+              <a:t>11/27/2020</a:t>
             </a:fld>
             <a:endParaRPr lang="en-US"/>
           </a:p>
@@ -2637,7 +2642,7 @@
           <a:p>
             <a:fld id="{E2303744-B482-46C2-83C9-81CA9822BC39}" type="datetimeFigureOut">
               <a:rPr lang="en-US" smtClean="0"/>
-              <a:t>10/1/2020</a:t>
+              <a:t>11/27/2020</a:t>
             </a:fld>
             <a:endParaRPr lang="en-US"/>
           </a:p>
@@ -2817,7 +2822,7 @@
           <a:p>
             <a:fld id="{E2303744-B482-46C2-83C9-81CA9822BC39}" type="datetimeFigureOut">
               <a:rPr lang="en-US" smtClean="0"/>
-              <a:t>10/1/2020</a:t>
+              <a:t>11/27/2020</a:t>
             </a:fld>
             <a:endParaRPr lang="en-US"/>
           </a:p>
@@ -2993,7 +2998,7 @@
           <a:p>
             <a:fld id="{E2303744-B482-46C2-83C9-81CA9822BC39}" type="datetimeFigureOut">
               <a:rPr lang="en-US" smtClean="0"/>
-              <a:t>10/1/2020</a:t>
+              <a:t>11/27/2020</a:t>
             </a:fld>
             <a:endParaRPr lang="en-US"/>
           </a:p>
@@ -3240,7 +3245,7 @@
           <a:p>
             <a:fld id="{E2303744-B482-46C2-83C9-81CA9822BC39}" type="datetimeFigureOut">
               <a:rPr lang="en-US" smtClean="0"/>
-              <a:t>10/1/2020</a:t>
+              <a:t>11/27/2020</a:t>
             </a:fld>
             <a:endParaRPr lang="en-US"/>
           </a:p>
@@ -3472,7 +3477,7 @@
           <a:p>
             <a:fld id="{E2303744-B482-46C2-83C9-81CA9822BC39}" type="datetimeFigureOut">
               <a:rPr lang="en-US" smtClean="0"/>
-              <a:t>10/1/2020</a:t>
+              <a:t>11/27/2020</a:t>
             </a:fld>
             <a:endParaRPr lang="en-US"/>
           </a:p>
@@ -3846,7 +3851,7 @@
           <a:p>
             <a:fld id="{E2303744-B482-46C2-83C9-81CA9822BC39}" type="datetimeFigureOut">
               <a:rPr lang="en-US" smtClean="0"/>
-              <a:t>10/1/2020</a:t>
+              <a:t>11/27/2020</a:t>
             </a:fld>
             <a:endParaRPr lang="en-US"/>
           </a:p>
@@ -3969,7 +3974,7 @@
           <a:p>
             <a:fld id="{E2303744-B482-46C2-83C9-81CA9822BC39}" type="datetimeFigureOut">
               <a:rPr lang="en-US" smtClean="0"/>
-              <a:t>10/1/2020</a:t>
+              <a:t>11/27/2020</a:t>
             </a:fld>
             <a:endParaRPr lang="en-US"/>
           </a:p>
@@ -4064,7 +4069,7 @@
           <a:p>
             <a:fld id="{E2303744-B482-46C2-83C9-81CA9822BC39}" type="datetimeFigureOut">
               <a:rPr lang="en-US" smtClean="0"/>
-              <a:t>10/1/2020</a:t>
+              <a:t>11/27/2020</a:t>
             </a:fld>
             <a:endParaRPr lang="en-US"/>
           </a:p>
@@ -4319,7 +4324,7 @@
           <a:p>
             <a:fld id="{E2303744-B482-46C2-83C9-81CA9822BC39}" type="datetimeFigureOut">
               <a:rPr lang="en-US" smtClean="0"/>
-              <a:t>10/1/2020</a:t>
+              <a:t>11/27/2020</a:t>
             </a:fld>
             <a:endParaRPr lang="en-US"/>
           </a:p>
@@ -4582,7 +4587,7 @@
           <a:p>
             <a:fld id="{E2303744-B482-46C2-83C9-81CA9822BC39}" type="datetimeFigureOut">
               <a:rPr lang="en-US" smtClean="0"/>
-              <a:t>10/1/2020</a:t>
+              <a:t>11/27/2020</a:t>
             </a:fld>
             <a:endParaRPr lang="en-US"/>
           </a:p>
@@ -5325,7 +5330,7 @@
           <a:p>
             <a:fld id="{E2303744-B482-46C2-83C9-81CA9822BC39}" type="datetimeFigureOut">
               <a:rPr lang="en-US" smtClean="0"/>
-              <a:t>10/1/2020</a:t>
+              <a:t>11/27/2020</a:t>
             </a:fld>
             <a:endParaRPr lang="en-US"/>
           </a:p>
@@ -14974,7 +14979,7 @@
         </p:blipFill>
         <p:spPr>
           <a:xfrm>
-            <a:off x="4551470" y="1622722"/>
+            <a:off x="4975668" y="2089045"/>
             <a:ext cx="7640530" cy="3299946"/>
           </a:xfrm>
           <a:prstGeom prst="rect">
